--- a/CPAD Assignment.pptx
+++ b/CPAD Assignment.pptx
@@ -10,7 +10,8 @@
     <p:sldId id="258" r:id="rId4"/>
     <p:sldId id="259" r:id="rId5"/>
     <p:sldId id="260" r:id="rId6"/>
-    <p:sldId id="261" r:id="rId7"/>
+    <p:sldId id="263" r:id="rId7"/>
+    <p:sldId id="261" r:id="rId8"/>
   </p:sldIdLst>
   <p:sldSz cx="12192000" cy="6858000"/>
   <p:notesSz cx="6858000" cy="9144000"/>
@@ -126,227 +127,6 @@
 </p1510:revInfo>
 </file>
 
-<file path=ppt/changesInfos/changesInfo1.xml><?xml version="1.0" encoding="utf-8"?>
-<pc:chgInfo xmlns:a="http://schemas.openxmlformats.org/drawingml/2006/main" xmlns:r="http://schemas.openxmlformats.org/officeDocument/2006/relationships" xmlns:ac="http://schemas.microsoft.com/office/drawing/2013/main/command" xmlns:pc="http://schemas.microsoft.com/office/powerpoint/2013/main/command">
-  <pc:docChgLst>
-    <pc:chgData name="Rajesh, Nidadhavolu" userId="b0e7a4f3-9333-4da9-8c87-a7feb2c6b8ba" providerId="ADAL" clId="{50BF3F35-E572-6448-B674-CDB10F7CF7DA}"/>
-    <pc:docChg chg="undo custSel addSld delSld modSld">
-      <pc:chgData name="Rajesh, Nidadhavolu" userId="b0e7a4f3-9333-4da9-8c87-a7feb2c6b8ba" providerId="ADAL" clId="{50BF3F35-E572-6448-B674-CDB10F7CF7DA}" dt="2022-11-06T11:39:13.224" v="1251" actId="20577"/>
-      <pc:docMkLst>
-        <pc:docMk/>
-      </pc:docMkLst>
-      <pc:sldChg chg="new del">
-        <pc:chgData name="Rajesh, Nidadhavolu" userId="b0e7a4f3-9333-4da9-8c87-a7feb2c6b8ba" providerId="ADAL" clId="{50BF3F35-E572-6448-B674-CDB10F7CF7DA}" dt="2022-11-06T11:14:34.568" v="79" actId="680"/>
-        <pc:sldMkLst>
-          <pc:docMk/>
-          <pc:sldMk cId="2550980766" sldId="257"/>
-        </pc:sldMkLst>
-      </pc:sldChg>
-      <pc:sldChg chg="modSp new mod">
-        <pc:chgData name="Rajesh, Nidadhavolu" userId="b0e7a4f3-9333-4da9-8c87-a7feb2c6b8ba" providerId="ADAL" clId="{50BF3F35-E572-6448-B674-CDB10F7CF7DA}" dt="2022-11-06T11:20:29.124" v="581" actId="5793"/>
-        <pc:sldMkLst>
-          <pc:docMk/>
-          <pc:sldMk cId="3195055056" sldId="257"/>
-        </pc:sldMkLst>
-        <pc:spChg chg="mod">
-          <ac:chgData name="Rajesh, Nidadhavolu" userId="b0e7a4f3-9333-4da9-8c87-a7feb2c6b8ba" providerId="ADAL" clId="{50BF3F35-E572-6448-B674-CDB10F7CF7DA}" dt="2022-11-06T11:14:57.760" v="105" actId="20577"/>
-          <ac:spMkLst>
-            <pc:docMk/>
-            <pc:sldMk cId="3195055056" sldId="257"/>
-            <ac:spMk id="2" creationId="{2D565EE3-AD4D-E277-801A-770EE2EC32BC}"/>
-          </ac:spMkLst>
-        </pc:spChg>
-        <pc:spChg chg="mod">
-          <ac:chgData name="Rajesh, Nidadhavolu" userId="b0e7a4f3-9333-4da9-8c87-a7feb2c6b8ba" providerId="ADAL" clId="{50BF3F35-E572-6448-B674-CDB10F7CF7DA}" dt="2022-11-06T11:20:29.124" v="581" actId="5793"/>
-          <ac:spMkLst>
-            <pc:docMk/>
-            <pc:sldMk cId="3195055056" sldId="257"/>
-            <ac:spMk id="3" creationId="{A3BB7526-0F74-57A5-23D6-146EA046844C}"/>
-          </ac:spMkLst>
-        </pc:spChg>
-      </pc:sldChg>
-      <pc:sldChg chg="modSp new del mod">
-        <pc:chgData name="Rajesh, Nidadhavolu" userId="b0e7a4f3-9333-4da9-8c87-a7feb2c6b8ba" providerId="ADAL" clId="{50BF3F35-E572-6448-B674-CDB10F7CF7DA}" dt="2022-11-06T11:14:28.984" v="77" actId="2696"/>
-        <pc:sldMkLst>
-          <pc:docMk/>
-          <pc:sldMk cId="3659901863" sldId="257"/>
-        </pc:sldMkLst>
-        <pc:spChg chg="mod">
-          <ac:chgData name="Rajesh, Nidadhavolu" userId="b0e7a4f3-9333-4da9-8c87-a7feb2c6b8ba" providerId="ADAL" clId="{50BF3F35-E572-6448-B674-CDB10F7CF7DA}" dt="2022-11-06T11:12:57.651" v="8" actId="20577"/>
-          <ac:spMkLst>
-            <pc:docMk/>
-            <pc:sldMk cId="3659901863" sldId="257"/>
-            <ac:spMk id="2" creationId="{67476972-0512-CCDB-5BF8-2E28A696233A}"/>
-          </ac:spMkLst>
-        </pc:spChg>
-        <pc:spChg chg="mod">
-          <ac:chgData name="Rajesh, Nidadhavolu" userId="b0e7a4f3-9333-4da9-8c87-a7feb2c6b8ba" providerId="ADAL" clId="{50BF3F35-E572-6448-B674-CDB10F7CF7DA}" dt="2022-11-06T11:14:17.352" v="76" actId="12"/>
-          <ac:spMkLst>
-            <pc:docMk/>
-            <pc:sldMk cId="3659901863" sldId="257"/>
-            <ac:spMk id="3" creationId="{92303412-768D-707A-7672-A76C304FF744}"/>
-          </ac:spMkLst>
-        </pc:spChg>
-      </pc:sldChg>
-      <pc:sldChg chg="modSp new mod">
-        <pc:chgData name="Rajesh, Nidadhavolu" userId="b0e7a4f3-9333-4da9-8c87-a7feb2c6b8ba" providerId="ADAL" clId="{50BF3F35-E572-6448-B674-CDB10F7CF7DA}" dt="2022-11-06T11:27:34.527" v="1186" actId="113"/>
-        <pc:sldMkLst>
-          <pc:docMk/>
-          <pc:sldMk cId="4283729604" sldId="258"/>
-        </pc:sldMkLst>
-        <pc:spChg chg="mod">
-          <ac:chgData name="Rajesh, Nidadhavolu" userId="b0e7a4f3-9333-4da9-8c87-a7feb2c6b8ba" providerId="ADAL" clId="{50BF3F35-E572-6448-B674-CDB10F7CF7DA}" dt="2022-11-06T11:20:41.846" v="592" actId="20577"/>
-          <ac:spMkLst>
-            <pc:docMk/>
-            <pc:sldMk cId="4283729604" sldId="258"/>
-            <ac:spMk id="2" creationId="{9C0BDFDF-1DC5-1127-DEAA-FDE73BAAF87F}"/>
-          </ac:spMkLst>
-        </pc:spChg>
-        <pc:spChg chg="mod">
-          <ac:chgData name="Rajesh, Nidadhavolu" userId="b0e7a4f3-9333-4da9-8c87-a7feb2c6b8ba" providerId="ADAL" clId="{50BF3F35-E572-6448-B674-CDB10F7CF7DA}" dt="2022-11-06T11:27:34.527" v="1186" actId="113"/>
-          <ac:spMkLst>
-            <pc:docMk/>
-            <pc:sldMk cId="4283729604" sldId="258"/>
-            <ac:spMk id="3" creationId="{28CD42BA-5EE0-FEF3-64A4-A286AD8EBFA8}"/>
-          </ac:spMkLst>
-        </pc:spChg>
-      </pc:sldChg>
-      <pc:sldChg chg="addSp delSp modSp new mod">
-        <pc:chgData name="Rajesh, Nidadhavolu" userId="b0e7a4f3-9333-4da9-8c87-a7feb2c6b8ba" providerId="ADAL" clId="{50BF3F35-E572-6448-B674-CDB10F7CF7DA}" dt="2022-11-06T11:37:34.348" v="1202" actId="14100"/>
-        <pc:sldMkLst>
-          <pc:docMk/>
-          <pc:sldMk cId="1039684616" sldId="259"/>
-        </pc:sldMkLst>
-        <pc:spChg chg="mod">
-          <ac:chgData name="Rajesh, Nidadhavolu" userId="b0e7a4f3-9333-4da9-8c87-a7feb2c6b8ba" providerId="ADAL" clId="{50BF3F35-E572-6448-B674-CDB10F7CF7DA}" dt="2022-11-06T11:37:24.936" v="1199" actId="20577"/>
-          <ac:spMkLst>
-            <pc:docMk/>
-            <pc:sldMk cId="1039684616" sldId="259"/>
-            <ac:spMk id="2" creationId="{BBA1CA26-3524-83A4-283A-2472CE04F6FA}"/>
-          </ac:spMkLst>
-        </pc:spChg>
-        <pc:spChg chg="del">
-          <ac:chgData name="Rajesh, Nidadhavolu" userId="b0e7a4f3-9333-4da9-8c87-a7feb2c6b8ba" providerId="ADAL" clId="{50BF3F35-E572-6448-B674-CDB10F7CF7DA}" dt="2022-11-06T11:37:28.116" v="1200"/>
-          <ac:spMkLst>
-            <pc:docMk/>
-            <pc:sldMk cId="1039684616" sldId="259"/>
-            <ac:spMk id="3" creationId="{44C46A18-802E-F453-64F5-074DBB0E52BF}"/>
-          </ac:spMkLst>
-        </pc:spChg>
-        <pc:picChg chg="add mod">
-          <ac:chgData name="Rajesh, Nidadhavolu" userId="b0e7a4f3-9333-4da9-8c87-a7feb2c6b8ba" providerId="ADAL" clId="{50BF3F35-E572-6448-B674-CDB10F7CF7DA}" dt="2022-11-06T11:37:34.348" v="1202" actId="14100"/>
-          <ac:picMkLst>
-            <pc:docMk/>
-            <pc:sldMk cId="1039684616" sldId="259"/>
-            <ac:picMk id="4" creationId="{52672485-5ACA-0F93-17DD-76AE36DAB5BE}"/>
-          </ac:picMkLst>
-        </pc:picChg>
-      </pc:sldChg>
-      <pc:sldChg chg="modSp new mod">
-        <pc:chgData name="Rajesh, Nidadhavolu" userId="b0e7a4f3-9333-4da9-8c87-a7feb2c6b8ba" providerId="ADAL" clId="{50BF3F35-E572-6448-B674-CDB10F7CF7DA}" dt="2022-11-06T11:38:02.781" v="1220" actId="20577"/>
-        <pc:sldMkLst>
-          <pc:docMk/>
-          <pc:sldMk cId="2400488172" sldId="260"/>
-        </pc:sldMkLst>
-        <pc:spChg chg="mod">
-          <ac:chgData name="Rajesh, Nidadhavolu" userId="b0e7a4f3-9333-4da9-8c87-a7feb2c6b8ba" providerId="ADAL" clId="{50BF3F35-E572-6448-B674-CDB10F7CF7DA}" dt="2022-11-06T11:38:02.781" v="1220" actId="20577"/>
-          <ac:spMkLst>
-            <pc:docMk/>
-            <pc:sldMk cId="2400488172" sldId="260"/>
-            <ac:spMk id="2" creationId="{8B01D3BC-98F0-32D7-3AF4-D60EFC984AF8}"/>
-          </ac:spMkLst>
-        </pc:spChg>
-      </pc:sldChg>
-      <pc:sldChg chg="new del">
-        <pc:chgData name="Rajesh, Nidadhavolu" userId="b0e7a4f3-9333-4da9-8c87-a7feb2c6b8ba" providerId="ADAL" clId="{50BF3F35-E572-6448-B674-CDB10F7CF7DA}" dt="2022-11-06T11:38:14.954" v="1222" actId="2696"/>
-        <pc:sldMkLst>
-          <pc:docMk/>
-          <pc:sldMk cId="991896638" sldId="261"/>
-        </pc:sldMkLst>
-      </pc:sldChg>
-      <pc:sldChg chg="modSp new mod">
-        <pc:chgData name="Rajesh, Nidadhavolu" userId="b0e7a4f3-9333-4da9-8c87-a7feb2c6b8ba" providerId="ADAL" clId="{50BF3F35-E572-6448-B674-CDB10F7CF7DA}" dt="2022-11-06T11:39:13.224" v="1251" actId="20577"/>
-        <pc:sldMkLst>
-          <pc:docMk/>
-          <pc:sldMk cId="1362149061" sldId="261"/>
-        </pc:sldMkLst>
-        <pc:spChg chg="mod">
-          <ac:chgData name="Rajesh, Nidadhavolu" userId="b0e7a4f3-9333-4da9-8c87-a7feb2c6b8ba" providerId="ADAL" clId="{50BF3F35-E572-6448-B674-CDB10F7CF7DA}" dt="2022-11-06T11:39:13.224" v="1251" actId="20577"/>
-          <ac:spMkLst>
-            <pc:docMk/>
-            <pc:sldMk cId="1362149061" sldId="261"/>
-            <ac:spMk id="2" creationId="{42EA62D3-FF19-DE24-AC2D-6186C21DF4C0}"/>
-          </ac:spMkLst>
-        </pc:spChg>
-      </pc:sldChg>
-      <pc:sldChg chg="addSp modSp new del mod">
-        <pc:chgData name="Rajesh, Nidadhavolu" userId="b0e7a4f3-9333-4da9-8c87-a7feb2c6b8ba" providerId="ADAL" clId="{50BF3F35-E572-6448-B674-CDB10F7CF7DA}" dt="2022-11-06T11:38:59.455" v="1241" actId="2696"/>
-        <pc:sldMkLst>
-          <pc:docMk/>
-          <pc:sldMk cId="3660511589" sldId="261"/>
-        </pc:sldMkLst>
-        <pc:spChg chg="mod">
-          <ac:chgData name="Rajesh, Nidadhavolu" userId="b0e7a4f3-9333-4da9-8c87-a7feb2c6b8ba" providerId="ADAL" clId="{50BF3F35-E572-6448-B674-CDB10F7CF7DA}" dt="2022-11-06T11:38:57.961" v="1240" actId="20577"/>
-          <ac:spMkLst>
-            <pc:docMk/>
-            <pc:sldMk cId="3660511589" sldId="261"/>
-            <ac:spMk id="2" creationId="{75676C3B-2A50-AF0E-2C2E-C58FB85E170B}"/>
-          </ac:spMkLst>
-        </pc:spChg>
-        <pc:spChg chg="add mod">
-          <ac:chgData name="Rajesh, Nidadhavolu" userId="b0e7a4f3-9333-4da9-8c87-a7feb2c6b8ba" providerId="ADAL" clId="{50BF3F35-E572-6448-B674-CDB10F7CF7DA}" dt="2022-11-06T11:38:45.891" v="1237" actId="767"/>
-          <ac:spMkLst>
-            <pc:docMk/>
-            <pc:sldMk cId="3660511589" sldId="261"/>
-            <ac:spMk id="4" creationId="{500ED6A7-F9C5-C9A4-5F99-176FEA2082BB}"/>
-          </ac:spMkLst>
-        </pc:spChg>
-        <pc:spChg chg="add mod">
-          <ac:chgData name="Rajesh, Nidadhavolu" userId="b0e7a4f3-9333-4da9-8c87-a7feb2c6b8ba" providerId="ADAL" clId="{50BF3F35-E572-6448-B674-CDB10F7CF7DA}" dt="2022-11-06T11:38:47.997" v="1238" actId="767"/>
-          <ac:spMkLst>
-            <pc:docMk/>
-            <pc:sldMk cId="3660511589" sldId="261"/>
-            <ac:spMk id="5" creationId="{8A7C8AA8-0512-7569-F8C5-62FF168BB394}"/>
-          </ac:spMkLst>
-        </pc:spChg>
-        <pc:spChg chg="add mod">
-          <ac:chgData name="Rajesh, Nidadhavolu" userId="b0e7a4f3-9333-4da9-8c87-a7feb2c6b8ba" providerId="ADAL" clId="{50BF3F35-E572-6448-B674-CDB10F7CF7DA}" dt="2022-11-06T11:38:50.980" v="1239" actId="767"/>
-          <ac:spMkLst>
-            <pc:docMk/>
-            <pc:sldMk cId="3660511589" sldId="261"/>
-            <ac:spMk id="6" creationId="{C9B8D9D9-4A7A-198C-951F-EB6799C7B22A}"/>
-          </ac:spMkLst>
-        </pc:spChg>
-      </pc:sldChg>
-    </pc:docChg>
-  </pc:docChgLst>
-  <pc:docChgLst>
-    <pc:chgData name="Jahnavi, Saddala" userId="S::saddala.jahnavi@sap.com::1b3bedff-9faf-41a0-82f7-44c27aace26a" providerId="AD" clId="Web-{E5B2AD95-11AD-1CE0-9101-D2DB7BBA9378}"/>
-    <pc:docChg chg="modSld">
-      <pc:chgData name="Jahnavi, Saddala" userId="S::saddala.jahnavi@sap.com::1b3bedff-9faf-41a0-82f7-44c27aace26a" providerId="AD" clId="Web-{E5B2AD95-11AD-1CE0-9101-D2DB7BBA9378}" dt="2022-11-07T06:28:16.594" v="20" actId="20577"/>
-      <pc:docMkLst>
-        <pc:docMk/>
-      </pc:docMkLst>
-      <pc:sldChg chg="modSp">
-        <pc:chgData name="Jahnavi, Saddala" userId="S::saddala.jahnavi@sap.com::1b3bedff-9faf-41a0-82f7-44c27aace26a" providerId="AD" clId="Web-{E5B2AD95-11AD-1CE0-9101-D2DB7BBA9378}" dt="2022-11-07T06:28:16.594" v="20" actId="20577"/>
-        <pc:sldMkLst>
-          <pc:docMk/>
-          <pc:sldMk cId="1675907080" sldId="256"/>
-        </pc:sldMkLst>
-        <pc:spChg chg="mod">
-          <ac:chgData name="Jahnavi, Saddala" userId="S::saddala.jahnavi@sap.com::1b3bedff-9faf-41a0-82f7-44c27aace26a" providerId="AD" clId="Web-{E5B2AD95-11AD-1CE0-9101-D2DB7BBA9378}" dt="2022-11-07T06:28:16.594" v="20" actId="20577"/>
-          <ac:spMkLst>
-            <pc:docMk/>
-            <pc:sldMk cId="1675907080" sldId="256"/>
-            <ac:spMk id="3" creationId="{99E173DB-1691-B423-9D29-F3E85799CBD7}"/>
-          </ac:spMkLst>
-        </pc:spChg>
-      </pc:sldChg>
-    </pc:docChg>
-  </pc:docChgLst>
-</pc:chgInfo>
-</file>
-
 <file path=ppt/slideLayouts/slideLayout1.xml><?xml version="1.0" encoding="utf-8"?>
 <p:sldLayout xmlns:a="http://schemas.openxmlformats.org/drawingml/2006/main" xmlns:r="http://schemas.openxmlformats.org/officeDocument/2006/relationships" xmlns:p="http://schemas.openxmlformats.org/presentationml/2006/main" type="title" preserve="1">
   <p:cSld name="Title Slide">
@@ -635,7 +415,7 @@
             <a:fld id="{08B9EBBA-996F-894A-B54A-D6246ED52CEA}" type="datetimeFigureOut">
               <a:rPr lang="en-US" dirty="0"/>
               <a:pPr/>
-              <a:t>11/6/2022</a:t>
+              <a:t>11/10/2022</a:t>
             </a:fld>
             <a:endParaRPr lang="en-US" dirty="0"/>
           </a:p>
@@ -950,7 +730,7 @@
             <a:fld id="{18C79C5D-2A6F-F04D-97DA-BEF2467B64E4}" type="datetimeFigureOut">
               <a:rPr lang="en-US" dirty="0"/>
               <a:pPr/>
-              <a:t>11/6/2022</a:t>
+              <a:t>11/10/2022</a:t>
             </a:fld>
             <a:endParaRPr lang="en-US" dirty="0"/>
           </a:p>
@@ -1435,7 +1215,7 @@
             <a:fld id="{8DFA1846-DA80-1C48-A609-854EA85C59AD}" type="datetimeFigureOut">
               <a:rPr lang="en-US" dirty="0"/>
               <a:pPr/>
-              <a:t>11/6/2022</a:t>
+              <a:t>11/10/2022</a:t>
             </a:fld>
             <a:endParaRPr lang="en-US" dirty="0"/>
           </a:p>
@@ -1801,7 +1581,7 @@
             <a:fld id="{FBF54567-0DE4-3F47-BF90-CB84690072F9}" type="datetimeFigureOut">
               <a:rPr lang="en-US" dirty="0"/>
               <a:pPr/>
-              <a:t>11/6/2022</a:t>
+              <a:t>11/10/2022</a:t>
             </a:fld>
             <a:endParaRPr lang="en-US" dirty="0"/>
           </a:p>
@@ -2071,7 +1851,7 @@
             <a:fld id="{C6C52C72-DE31-F449-A4ED-4C594FD91407}" type="datetimeFigureOut">
               <a:rPr lang="en-US" dirty="0"/>
               <a:pPr/>
-              <a:t>11/6/2022</a:t>
+              <a:t>11/10/2022</a:t>
             </a:fld>
             <a:endParaRPr lang="en-US" dirty="0"/>
           </a:p>
@@ -2353,7 +2133,7 @@
             <a:fld id="{ED62726E-379B-B349-9EED-81ED093FA806}" type="datetimeFigureOut">
               <a:rPr lang="en-US" dirty="0"/>
               <a:pPr/>
-              <a:t>11/6/2022</a:t>
+              <a:t>11/10/2022</a:t>
             </a:fld>
             <a:endParaRPr lang="en-US" dirty="0"/>
           </a:p>
@@ -2633,7 +2413,7 @@
             <a:fld id="{9B3A1323-8D79-1946-B0D7-40001CF92E9D}" type="datetimeFigureOut">
               <a:rPr lang="en-US" dirty="0"/>
               <a:pPr/>
-              <a:t>11/6/2022</a:t>
+              <a:t>11/10/2022</a:t>
             </a:fld>
             <a:endParaRPr lang="en-US" dirty="0"/>
           </a:p>
@@ -2973,7 +2753,7 @@
             <a:fld id="{8DFA1846-DA80-1C48-A609-854EA85C59AD}" type="datetimeFigureOut">
               <a:rPr lang="en-US" dirty="0"/>
               <a:pPr/>
-              <a:t>11/6/2022</a:t>
+              <a:t>11/10/2022</a:t>
             </a:fld>
             <a:endParaRPr lang="en-US" dirty="0"/>
           </a:p>
@@ -3309,7 +3089,7 @@
             <a:fld id="{57302355-E14B-8545-A8F8-0FE83CC9D524}" type="datetimeFigureOut">
               <a:rPr lang="en-US" dirty="0"/>
               <a:pPr/>
-              <a:t>11/6/2022</a:t>
+              <a:t>11/10/2022</a:t>
             </a:fld>
             <a:endParaRPr lang="en-US" dirty="0"/>
           </a:p>
@@ -3783,7 +3563,7 @@
             <a:fld id="{02640F58-564D-2B4F-AE67-E407BA4FCF45}" type="datetimeFigureOut">
               <a:rPr lang="en-US" dirty="0"/>
               <a:pPr/>
-              <a:t>11/6/2022</a:t>
+              <a:t>11/10/2022</a:t>
             </a:fld>
             <a:endParaRPr lang="en-US" dirty="0"/>
           </a:p>
@@ -4001,7 +3781,7 @@
             <a:fld id="{F13A34C8-038E-2045-AF43-DF7DBB8E0E9E}" type="datetimeFigureOut">
               <a:rPr lang="en-US" dirty="0"/>
               <a:pPr/>
-              <a:t>11/6/2022</a:t>
+              <a:t>11/10/2022</a:t>
             </a:fld>
             <a:endParaRPr lang="en-US" dirty="0"/>
           </a:p>
@@ -4093,7 +3873,7 @@
             <a:fld id="{8818C68F-D26B-8F47-958C-23B49CF8A634}" type="datetimeFigureOut">
               <a:rPr lang="en-US" dirty="0"/>
               <a:pPr/>
-              <a:t>11/6/2022</a:t>
+              <a:t>11/10/2022</a:t>
             </a:fld>
             <a:endParaRPr lang="en-US" dirty="0"/>
           </a:p>
@@ -4557,7 +4337,7 @@
             <a:fld id="{D0DF5E60-9974-AC48-9591-99C2BB44B7CF}" type="datetimeFigureOut">
               <a:rPr lang="en-US" dirty="0"/>
               <a:pPr/>
-              <a:t>11/6/2022</a:t>
+              <a:t>11/10/2022</a:t>
             </a:fld>
             <a:endParaRPr lang="en-US" dirty="0"/>
           </a:p>
@@ -4867,7 +4647,7 @@
             <a:fld id="{18C79C5D-2A6F-F04D-97DA-BEF2467B64E4}" type="datetimeFigureOut">
               <a:rPr lang="en-US" dirty="0"/>
               <a:pPr/>
-              <a:t>11/6/2022</a:t>
+              <a:t>11/10/2022</a:t>
             </a:fld>
             <a:endParaRPr lang="en-US" dirty="0"/>
           </a:p>
@@ -5134,7 +4914,7 @@
             <a:fld id="{09B482E8-6E0E-1B4F-B1FD-C69DB9E858D9}" type="datetimeFigureOut">
               <a:rPr lang="en-US" dirty="0"/>
               <a:pPr/>
-              <a:t>11/6/2022</a:t>
+              <a:t>11/10/2022</a:t>
             </a:fld>
             <a:endParaRPr lang="en-US" dirty="0"/>
           </a:p>
@@ -5596,7 +5376,12 @@
             <p:ph type="ctrTitle"/>
           </p:nvPr>
         </p:nvSpPr>
-        <p:spPr/>
+        <p:spPr>
+          <a:xfrm>
+            <a:off x="810001" y="1449148"/>
+            <a:ext cx="10572000" cy="1840808"/>
+          </a:xfrm>
+        </p:spPr>
         <p:txBody>
           <a:bodyPr/>
           <a:lstStyle/>
@@ -5626,45 +5411,37 @@
         </p:nvSpPr>
         <p:spPr>
           <a:xfrm>
-            <a:off x="263348" y="5161576"/>
-            <a:ext cx="11762999" cy="1577153"/>
+            <a:off x="263348" y="5237018"/>
+            <a:ext cx="11762999" cy="1501711"/>
           </a:xfrm>
         </p:spPr>
         <p:txBody>
           <a:bodyPr>
-            <a:normAutofit lnSpcReduction="10000"/>
+            <a:normAutofit fontScale="92500" lnSpcReduction="10000"/>
           </a:bodyPr>
           <a:lstStyle/>
           <a:p>
             <a:r>
               <a:rPr lang="en-US" dirty="0"/>
-              <a:t>Team 9 CPAD</a:t>
-            </a:r>
-          </a:p>
-          <a:p>
-            <a:r>
-              <a:rPr lang="en-US" dirty="0" err="1"/>
-              <a:t>Nidadhavolu</a:t>
-            </a:r>
+              <a:t>Team 9-</a:t>
+            </a:r>
+          </a:p>
+          <a:p>
             <a:r>
               <a:rPr lang="en-US" dirty="0"/>
-              <a:t> Rajesh (2021sp93002)                                   Shubham Sharma</a:t>
-            </a:r>
-          </a:p>
-          <a:p>
-            <a:r>
-              <a:rPr lang="en-US" dirty="0" err="1"/>
-              <a:t>Saddala</a:t>
-            </a:r>
+              <a:t>Nidadhavolu Rajesh (2021sp93002)                                   Shubham Sharma(2021sp93080)</a:t>
+            </a:r>
+          </a:p>
+          <a:p>
             <a:r>
               <a:rPr lang="en-US" dirty="0"/>
-              <a:t> Jahnavi     (2021sp93071)                                     Swaraj Kumar Mohapatra</a:t>
+              <a:t>Saddala Jahnavi     (2021sp93071)                                     Swaraj Kumar Mohapatra(2021sp93057)</a:t>
             </a:r>
           </a:p>
           <a:p>
             <a:r>
               <a:rPr lang="en-US" dirty="0"/>
-              <a:t>Vamsi Krishna Kuncham</a:t>
+              <a:t>Vamsi Krishna Kuncham (2021sp93055)</a:t>
             </a:r>
           </a:p>
           <a:p>
@@ -5890,7 +5667,7 @@
         <p:spPr/>
         <p:txBody>
           <a:bodyPr>
-            <a:normAutofit fontScale="92500" lnSpcReduction="20000"/>
+            <a:normAutofit fontScale="77500" lnSpcReduction="20000"/>
           </a:bodyPr>
           <a:lstStyle/>
           <a:p>
@@ -6033,6 +5810,23 @@
                 <a:effectLst/>
               </a:rPr>
               <a:t> to fetch news to display in our application</a:t>
+            </a:r>
+          </a:p>
+          <a:p>
+            <a:pPr marL="0" indent="0">
+              <a:buNone/>
+            </a:pPr>
+            <a:endParaRPr lang="en-IN" dirty="0"/>
+          </a:p>
+          <a:p>
+            <a:pPr marL="0" indent="0">
+              <a:buNone/>
+            </a:pPr>
+            <a:r>
+              <a:rPr lang="en-IN" b="0" i="0" dirty="0">
+                <a:effectLst/>
+              </a:rPr>
+              <a:t>Platform – Web &amp; Android</a:t>
             </a:r>
           </a:p>
           <a:p>
@@ -6210,36 +6004,77 @@
           <a:p>
             <a:r>
               <a:rPr lang="en-US" dirty="0"/>
-              <a:t>Prototype</a:t>
-            </a:r>
-          </a:p>
-        </p:txBody>
-      </p:sp>
-      <p:sp>
-        <p:nvSpPr>
-          <p:cNvPr id="3" name="Content Placeholder 2">
+              <a:t>Prototype – Login screen</a:t>
+            </a:r>
+          </a:p>
+        </p:txBody>
+      </p:sp>
+      <p:pic>
+        <p:nvPicPr>
+          <p:cNvPr id="5" name="Content Placeholder 4">
             <a:extLst>
               <a:ext uri="{FF2B5EF4-FFF2-40B4-BE49-F238E27FC236}">
-                <a16:creationId xmlns:a16="http://schemas.microsoft.com/office/drawing/2014/main" id="{EB4900C5-FBA0-579C-14FF-626AAB9447C7}"/>
+                <a16:creationId xmlns:a16="http://schemas.microsoft.com/office/drawing/2014/main" id="{5B124300-00E6-43FB-8C0B-55805C2FF0D6}"/>
               </a:ext>
             </a:extLst>
           </p:cNvPr>
-          <p:cNvSpPr>
-            <a:spLocks noGrp="1"/>
-          </p:cNvSpPr>
+          <p:cNvPicPr>
+            <a:picLocks noGrp="1" noChangeAspect="1"/>
+          </p:cNvPicPr>
           <p:nvPr>
             <p:ph idx="1"/>
           </p:nvPr>
-        </p:nvSpPr>
-        <p:spPr/>
-        <p:txBody>
-          <a:bodyPr/>
-          <a:lstStyle/>
-          <a:p>
-            <a:endParaRPr lang="en-US" dirty="0"/>
-          </a:p>
-        </p:txBody>
-      </p:sp>
+        </p:nvPicPr>
+        <p:blipFill>
+          <a:blip r:embed="rId2"/>
+          <a:stretch>
+            <a:fillRect/>
+          </a:stretch>
+        </p:blipFill>
+        <p:spPr>
+          <a:xfrm>
+            <a:off x="1270344" y="2210625"/>
+            <a:ext cx="2834876" cy="3636963"/>
+          </a:xfrm>
+        </p:spPr>
+      </p:pic>
+      <p:pic>
+        <p:nvPicPr>
+          <p:cNvPr id="6" name="Content Placeholder 8">
+            <a:extLst>
+              <a:ext uri="{FF2B5EF4-FFF2-40B4-BE49-F238E27FC236}">
+                <a16:creationId xmlns:a16="http://schemas.microsoft.com/office/drawing/2014/main" id="{5C8ADD38-D441-4B0F-AA0D-DEE9FBD90928}"/>
+              </a:ext>
+            </a:extLst>
+          </p:cNvPr>
+          <p:cNvPicPr>
+            <a:picLocks noChangeAspect="1"/>
+          </p:cNvPicPr>
+          <p:nvPr/>
+        </p:nvPicPr>
+        <p:blipFill>
+          <a:blip r:embed="rId3"/>
+          <a:stretch>
+            <a:fillRect/>
+          </a:stretch>
+        </p:blipFill>
+        <p:spPr>
+          <a:xfrm>
+            <a:off x="6669344" y="2140636"/>
+            <a:ext cx="2834876" cy="3636963"/>
+          </a:xfrm>
+          <a:prstGeom prst="rect">
+            <a:avLst/>
+          </a:prstGeom>
+          <a:effectLst>
+            <a:outerShdw blurRad="50800" dir="14400000">
+              <a:srgbClr val="000000">
+                <a:alpha val="40000"/>
+              </a:srgbClr>
+            </a:outerShdw>
+          </a:effectLst>
+        </p:spPr>
+      </p:pic>
     </p:spTree>
     <p:extLst>
       <p:ext uri="{BB962C8B-B14F-4D97-AF65-F5344CB8AC3E}">
@@ -6254,6 +6089,131 @@
 </file>
 
 <file path=ppt/slides/slide6.xml><?xml version="1.0" encoding="utf-8"?>
+<p:sld xmlns:a="http://schemas.openxmlformats.org/drawingml/2006/main" xmlns:r="http://schemas.openxmlformats.org/officeDocument/2006/relationships" xmlns:p="http://schemas.openxmlformats.org/presentationml/2006/main">
+  <p:cSld>
+    <p:spTree>
+      <p:nvGrpSpPr>
+        <p:cNvPr id="1" name=""/>
+        <p:cNvGrpSpPr/>
+        <p:nvPr/>
+      </p:nvGrpSpPr>
+      <p:grpSpPr>
+        <a:xfrm>
+          <a:off x="0" y="0"/>
+          <a:ext cx="0" cy="0"/>
+          <a:chOff x="0" y="0"/>
+          <a:chExt cx="0" cy="0"/>
+        </a:xfrm>
+      </p:grpSpPr>
+      <p:sp>
+        <p:nvSpPr>
+          <p:cNvPr id="2" name="Title 1">
+            <a:extLst>
+              <a:ext uri="{FF2B5EF4-FFF2-40B4-BE49-F238E27FC236}">
+                <a16:creationId xmlns:a16="http://schemas.microsoft.com/office/drawing/2014/main" id="{3A5C9FB0-CC47-4F20-84E3-319EA0F544E5}"/>
+              </a:ext>
+            </a:extLst>
+          </p:cNvPr>
+          <p:cNvSpPr>
+            <a:spLocks noGrp="1"/>
+          </p:cNvSpPr>
+          <p:nvPr>
+            <p:ph type="title"/>
+          </p:nvPr>
+        </p:nvSpPr>
+        <p:spPr/>
+        <p:txBody>
+          <a:bodyPr/>
+          <a:lstStyle/>
+          <a:p>
+            <a:r>
+              <a:rPr lang="en-US" dirty="0"/>
+              <a:t>Home page</a:t>
+            </a:r>
+            <a:endParaRPr lang="en-IN" dirty="0"/>
+          </a:p>
+        </p:txBody>
+      </p:sp>
+      <p:pic>
+        <p:nvPicPr>
+          <p:cNvPr id="5" name="Content Placeholder 4">
+            <a:extLst>
+              <a:ext uri="{FF2B5EF4-FFF2-40B4-BE49-F238E27FC236}">
+                <a16:creationId xmlns:a16="http://schemas.microsoft.com/office/drawing/2014/main" id="{BE594360-966E-4A4F-8F8A-9502E7EF1379}"/>
+              </a:ext>
+            </a:extLst>
+          </p:cNvPr>
+          <p:cNvPicPr>
+            <a:picLocks noGrp="1" noChangeAspect="1"/>
+          </p:cNvPicPr>
+          <p:nvPr>
+            <p:ph idx="1"/>
+          </p:nvPr>
+        </p:nvPicPr>
+        <p:blipFill>
+          <a:blip r:embed="rId2"/>
+          <a:stretch>
+            <a:fillRect/>
+          </a:stretch>
+        </p:blipFill>
+        <p:spPr>
+          <a:xfrm>
+            <a:off x="1599737" y="2443881"/>
+            <a:ext cx="2967109" cy="3636963"/>
+          </a:xfrm>
+        </p:spPr>
+      </p:pic>
+      <p:pic>
+        <p:nvPicPr>
+          <p:cNvPr id="6" name="Content Placeholder 4">
+            <a:extLst>
+              <a:ext uri="{FF2B5EF4-FFF2-40B4-BE49-F238E27FC236}">
+                <a16:creationId xmlns:a16="http://schemas.microsoft.com/office/drawing/2014/main" id="{1FBEC0F2-88D3-4A6A-BF4E-F1A3874EA623}"/>
+              </a:ext>
+            </a:extLst>
+          </p:cNvPr>
+          <p:cNvPicPr>
+            <a:picLocks noChangeAspect="1"/>
+          </p:cNvPicPr>
+          <p:nvPr/>
+        </p:nvPicPr>
+        <p:blipFill>
+          <a:blip r:embed="rId3"/>
+          <a:stretch>
+            <a:fillRect/>
+          </a:stretch>
+        </p:blipFill>
+        <p:spPr>
+          <a:xfrm>
+            <a:off x="6551481" y="2375908"/>
+            <a:ext cx="2816693" cy="3636963"/>
+          </a:xfrm>
+          <a:prstGeom prst="rect">
+            <a:avLst/>
+          </a:prstGeom>
+          <a:effectLst>
+            <a:outerShdw blurRad="50800" dir="14400000">
+              <a:srgbClr val="000000">
+                <a:alpha val="40000"/>
+              </a:srgbClr>
+            </a:outerShdw>
+          </a:effectLst>
+        </p:spPr>
+      </p:pic>
+    </p:spTree>
+    <p:extLst>
+      <p:ext uri="{BB962C8B-B14F-4D97-AF65-F5344CB8AC3E}">
+        <p14:creationId xmlns:p14="http://schemas.microsoft.com/office/powerpoint/2010/main" val="3443648152"/>
+      </p:ext>
+    </p:extLst>
+  </p:cSld>
+  <p:clrMapOvr>
+    <a:masterClrMapping/>
+  </p:clrMapOvr>
+</p:sld>
+</file>
+
+<file path=ppt/slides/slide7.xml><?xml version="1.0" encoding="utf-8"?>
 <p:sld xmlns:a="http://schemas.openxmlformats.org/drawingml/2006/main" xmlns:r="http://schemas.openxmlformats.org/officeDocument/2006/relationships" xmlns:p="http://schemas.openxmlformats.org/presentationml/2006/main">
   <p:cSld>
     <p:spTree>
